--- a/Containers_from_scratch.pptx
+++ b/Containers_from_scratch.pptx
@@ -10,8 +10,9 @@
     <p:sldId id="258" r:id="rId4"/>
     <p:sldId id="262" r:id="rId5"/>
     <p:sldId id="259" r:id="rId6"/>
-    <p:sldId id="260" r:id="rId7"/>
-    <p:sldId id="261" r:id="rId8"/>
+    <p:sldId id="263" r:id="rId7"/>
+    <p:sldId id="260" r:id="rId8"/>
+    <p:sldId id="261" r:id="rId9"/>
   </p:sldIdLst>
   <p:sldSz cx="12192000" cy="6858000"/>
   <p:notesSz cx="6858000" cy="9144000"/>
@@ -6429,7 +6430,7 @@
                 <a:latin typeface="+mj-lt"/>
               </a:rPr>
               <a:pPr defTabSz="762000"/>
-              <a:t>24/03/2024</a:t>
+              <a:t>25/03/2024</a:t>
             </a:fld>
             <a:endParaRPr lang="en-AU" sz="1800" b="0" dirty="0">
               <a:solidFill>
@@ -7807,6 +7808,93 @@
           <p:cNvPr id="2" name="Title 1">
             <a:extLst>
               <a:ext uri="{FF2B5EF4-FFF2-40B4-BE49-F238E27FC236}">
+                <a16:creationId xmlns:a16="http://schemas.microsoft.com/office/drawing/2014/main" id="{757FBC14-1AED-0A99-F478-93618A9650A4}"/>
+              </a:ext>
+            </a:extLst>
+          </p:cNvPr>
+          <p:cNvSpPr>
+            <a:spLocks noGrp="1"/>
+          </p:cNvSpPr>
+          <p:nvPr>
+            <p:ph type="title"/>
+          </p:nvPr>
+        </p:nvSpPr>
+        <p:spPr/>
+        <p:txBody>
+          <a:bodyPr/>
+          <a:lstStyle/>
+          <a:p>
+            <a:endParaRPr lang="en-AU"/>
+          </a:p>
+        </p:txBody>
+      </p:sp>
+      <p:pic>
+        <p:nvPicPr>
+          <p:cNvPr id="5" name="Content Placeholder 4">
+            <a:extLst>
+              <a:ext uri="{FF2B5EF4-FFF2-40B4-BE49-F238E27FC236}">
+                <a16:creationId xmlns:a16="http://schemas.microsoft.com/office/drawing/2014/main" id="{8A32341A-637F-0019-3EFB-F44B0D64475C}"/>
+              </a:ext>
+            </a:extLst>
+          </p:cNvPr>
+          <p:cNvPicPr>
+            <a:picLocks noGrp="1" noChangeAspect="1"/>
+          </p:cNvPicPr>
+          <p:nvPr>
+            <p:ph idx="1"/>
+          </p:nvPr>
+        </p:nvPicPr>
+        <p:blipFill>
+          <a:blip r:embed="rId2"/>
+          <a:stretch>
+            <a:fillRect/>
+          </a:stretch>
+        </p:blipFill>
+        <p:spPr>
+          <a:xfrm>
+            <a:off x="0" y="0"/>
+            <a:ext cx="12235855" cy="6858000"/>
+          </a:xfrm>
+        </p:spPr>
+      </p:pic>
+    </p:spTree>
+    <p:extLst>
+      <p:ext uri="{BB962C8B-B14F-4D97-AF65-F5344CB8AC3E}">
+        <p14:creationId xmlns:p14="http://schemas.microsoft.com/office/powerpoint/2010/main" val="708468248"/>
+      </p:ext>
+    </p:extLst>
+  </p:cSld>
+  <p:clrMapOvr>
+    <a:masterClrMapping/>
+  </p:clrMapOvr>
+  <p:transition spd="med">
+    <p:pull dir="rd"/>
+  </p:transition>
+</p:sld>
+</file>
+
+<file path=ppt/slides/slide7.xml><?xml version="1.0" encoding="utf-8"?>
+<p:sld xmlns:a="http://schemas.openxmlformats.org/drawingml/2006/main" xmlns:r="http://schemas.openxmlformats.org/officeDocument/2006/relationships" xmlns:p="http://schemas.openxmlformats.org/presentationml/2006/main">
+  <p:cSld>
+    <p:spTree>
+      <p:nvGrpSpPr>
+        <p:cNvPr id="1" name=""/>
+        <p:cNvGrpSpPr/>
+        <p:nvPr/>
+      </p:nvGrpSpPr>
+      <p:grpSpPr>
+        <a:xfrm>
+          <a:off x="0" y="0"/>
+          <a:ext cx="0" cy="0"/>
+          <a:chOff x="0" y="0"/>
+          <a:chExt cx="0" cy="0"/>
+        </a:xfrm>
+      </p:grpSpPr>
+      <p:sp>
+        <p:nvSpPr>
+          <p:cNvPr id="2" name="Title 1">
+            <a:extLst>
+              <a:ext uri="{FF2B5EF4-FFF2-40B4-BE49-F238E27FC236}">
                 <a16:creationId xmlns:a16="http://schemas.microsoft.com/office/drawing/2014/main" id="{8FF36970-E88E-AE13-95D7-A8C001FF933D}"/>
               </a:ext>
             </a:extLst>
@@ -7920,7 +8008,7 @@
 </p:sld>
 </file>
 
-<file path=ppt/slides/slide7.xml><?xml version="1.0" encoding="utf-8"?>
+<file path=ppt/slides/slide8.xml><?xml version="1.0" encoding="utf-8"?>
 <p:sld xmlns:a="http://schemas.openxmlformats.org/drawingml/2006/main" xmlns:r="http://schemas.openxmlformats.org/officeDocument/2006/relationships" xmlns:p="http://schemas.openxmlformats.org/presentationml/2006/main">
   <p:cSld>
     <p:spTree>
@@ -7981,7 +8069,12 @@
             <p:ph idx="1"/>
           </p:nvPr>
         </p:nvSpPr>
-        <p:spPr/>
+        <p:spPr>
+          <a:xfrm>
+            <a:off x="914399" y="1905000"/>
+            <a:ext cx="10900881" cy="4114800"/>
+          </a:xfrm>
+        </p:spPr>
         <p:txBody>
           <a:bodyPr/>
           <a:lstStyle/>
@@ -7997,16 +8090,21 @@
           <a:p>
             <a:r>
               <a:rPr lang="en-AU" dirty="0"/>
+              <a:t>git clone --recurse-submodules https://github.com/lovellbrian/dockerdemo</a:t>
+            </a:r>
+          </a:p>
+          <a:p>
+            <a:r>
+              <a:rPr lang="en-AU" dirty="0"/>
               <a:t>Use branches to step through the building process</a:t>
             </a:r>
           </a:p>
           <a:p>
             <a:pPr lvl="1"/>
             <a:r>
-              <a:rPr lang="en-AU"/>
+              <a:rPr lang="en-AU" dirty="0"/>
               <a:t>Step 1, Step 2, …  </a:t>
             </a:r>
-            <a:endParaRPr lang="en-AU" dirty="0"/>
           </a:p>
         </p:txBody>
       </p:sp>
